--- a/ppt 16-9/0466.曾有很多的时候.pptx
+++ b/ppt 16-9/0466.曾有很多的时候.pptx
@@ -5,7 +5,7 @@
     <p:sldMasterId id="2147483648" r:id="rId1"/>
   </p:sldMasterIdLst>
   <p:sldIdLst>
-    <p:sldId id="2964" r:id="rId2"/>
+    <p:sldId id="2966" r:id="rId2"/>
   </p:sldIdLst>
   <p:sldSz cx="12192000" cy="6858000"/>
   <p:notesSz cx="6858000" cy="9144000"/>
@@ -129,7 +129,7 @@
           <p:cNvPr id="2" name="标题 1">
             <a:extLst>
               <a:ext uri="{FF2B5EF4-FFF2-40B4-BE49-F238E27FC236}">
-                <a16:creationId xmlns:a16="http://schemas.microsoft.com/office/drawing/2014/main" id="{0246CBC5-985C-8F0C-2859-B691BF3CC917}"/>
+                <a16:creationId xmlns:a16="http://schemas.microsoft.com/office/drawing/2014/main" id="{1326DA07-8BAE-1FFB-026B-5DFC69F2255A}"/>
               </a:ext>
             </a:extLst>
           </p:cNvPr>
@@ -166,7 +166,7 @@
           <p:cNvPr id="3" name="副标题 2">
             <a:extLst>
               <a:ext uri="{FF2B5EF4-FFF2-40B4-BE49-F238E27FC236}">
-                <a16:creationId xmlns:a16="http://schemas.microsoft.com/office/drawing/2014/main" id="{2880D062-0D22-E65D-BEB7-78BC0D668404}"/>
+                <a16:creationId xmlns:a16="http://schemas.microsoft.com/office/drawing/2014/main" id="{E59C2BDA-FB2C-4B7B-22CA-1F69E73269B3}"/>
               </a:ext>
             </a:extLst>
           </p:cNvPr>
@@ -236,7 +236,7 @@
           <p:cNvPr id="4" name="日期占位符 3">
             <a:extLst>
               <a:ext uri="{FF2B5EF4-FFF2-40B4-BE49-F238E27FC236}">
-                <a16:creationId xmlns:a16="http://schemas.microsoft.com/office/drawing/2014/main" id="{D7A6D63D-B3EF-E438-3F0C-FF5AD69E65A6}"/>
+                <a16:creationId xmlns:a16="http://schemas.microsoft.com/office/drawing/2014/main" id="{5234B80C-DC3A-6184-E7C0-948E7B6EB504}"/>
               </a:ext>
             </a:extLst>
           </p:cNvPr>
@@ -252,7 +252,7 @@
           <a:bodyPr/>
           <a:lstStyle/>
           <a:p>
-            <a:fld id="{932502E9-509C-4910-9156-576E71BB85FA}" type="datetimeFigureOut">
+            <a:fld id="{37ADE18D-C34D-4A5B-AF13-07FB58D304D3}" type="datetimeFigureOut">
               <a:rPr lang="zh-CN" altLang="en-US" smtClean="0"/>
               <a:t>2024/3/10</a:t>
             </a:fld>
@@ -265,7 +265,7 @@
           <p:cNvPr id="5" name="页脚占位符 4">
             <a:extLst>
               <a:ext uri="{FF2B5EF4-FFF2-40B4-BE49-F238E27FC236}">
-                <a16:creationId xmlns:a16="http://schemas.microsoft.com/office/drawing/2014/main" id="{F7C48FD1-7186-3A51-85EA-8A3A9E096E32}"/>
+                <a16:creationId xmlns:a16="http://schemas.microsoft.com/office/drawing/2014/main" id="{FA7578F9-FA37-E646-0C1D-CFB9D62094E4}"/>
               </a:ext>
             </a:extLst>
           </p:cNvPr>
@@ -290,7 +290,7 @@
           <p:cNvPr id="6" name="灯片编号占位符 5">
             <a:extLst>
               <a:ext uri="{FF2B5EF4-FFF2-40B4-BE49-F238E27FC236}">
-                <a16:creationId xmlns:a16="http://schemas.microsoft.com/office/drawing/2014/main" id="{A6F4C827-DDB6-825E-47C5-18A04E3F4EAA}"/>
+                <a16:creationId xmlns:a16="http://schemas.microsoft.com/office/drawing/2014/main" id="{E7A884AA-9FD3-E181-A952-FFD942E1910B}"/>
               </a:ext>
             </a:extLst>
           </p:cNvPr>
@@ -306,7 +306,7 @@
           <a:bodyPr/>
           <a:lstStyle/>
           <a:p>
-            <a:fld id="{BBA35E8E-E720-43F1-9070-0180838323D8}" type="slidenum">
+            <a:fld id="{BB66E4A6-415C-4E82-B419-7B2978918924}" type="slidenum">
               <a:rPr lang="zh-CN" altLang="en-US" smtClean="0"/>
               <a:t>‹#›</a:t>
             </a:fld>
@@ -317,7 +317,7 @@
     </p:spTree>
     <p:extLst>
       <p:ext uri="{BB962C8B-B14F-4D97-AF65-F5344CB8AC3E}">
-        <p14:creationId xmlns:p14="http://schemas.microsoft.com/office/powerpoint/2010/main" val="2071937366"/>
+        <p14:creationId xmlns:p14="http://schemas.microsoft.com/office/powerpoint/2010/main" val="650334771"/>
       </p:ext>
     </p:extLst>
   </p:cSld>
@@ -349,7 +349,7 @@
           <p:cNvPr id="2" name="标题 1">
             <a:extLst>
               <a:ext uri="{FF2B5EF4-FFF2-40B4-BE49-F238E27FC236}">
-                <a16:creationId xmlns:a16="http://schemas.microsoft.com/office/drawing/2014/main" id="{2B87F4A3-57B0-BF4D-8345-25E286D8513E}"/>
+                <a16:creationId xmlns:a16="http://schemas.microsoft.com/office/drawing/2014/main" id="{77420705-1D58-04A4-89EE-E943DD2DAB64}"/>
               </a:ext>
             </a:extLst>
           </p:cNvPr>
@@ -377,7 +377,7 @@
           <p:cNvPr id="3" name="竖排文字占位符 2">
             <a:extLst>
               <a:ext uri="{FF2B5EF4-FFF2-40B4-BE49-F238E27FC236}">
-                <a16:creationId xmlns:a16="http://schemas.microsoft.com/office/drawing/2014/main" id="{DB8E5E81-A59E-16BF-D054-914567668472}"/>
+                <a16:creationId xmlns:a16="http://schemas.microsoft.com/office/drawing/2014/main" id="{146FBBDD-AFB1-6205-CFAA-19EEDDB9046E}"/>
               </a:ext>
             </a:extLst>
           </p:cNvPr>
@@ -434,7 +434,7 @@
           <p:cNvPr id="4" name="日期占位符 3">
             <a:extLst>
               <a:ext uri="{FF2B5EF4-FFF2-40B4-BE49-F238E27FC236}">
-                <a16:creationId xmlns:a16="http://schemas.microsoft.com/office/drawing/2014/main" id="{83085881-FE8C-5E4A-5E73-968AB2BA831F}"/>
+                <a16:creationId xmlns:a16="http://schemas.microsoft.com/office/drawing/2014/main" id="{590FDF49-F2D9-7DC8-8088-216785AF9073}"/>
               </a:ext>
             </a:extLst>
           </p:cNvPr>
@@ -450,7 +450,7 @@
           <a:bodyPr/>
           <a:lstStyle/>
           <a:p>
-            <a:fld id="{932502E9-509C-4910-9156-576E71BB85FA}" type="datetimeFigureOut">
+            <a:fld id="{37ADE18D-C34D-4A5B-AF13-07FB58D304D3}" type="datetimeFigureOut">
               <a:rPr lang="zh-CN" altLang="en-US" smtClean="0"/>
               <a:t>2024/3/10</a:t>
             </a:fld>
@@ -463,7 +463,7 @@
           <p:cNvPr id="5" name="页脚占位符 4">
             <a:extLst>
               <a:ext uri="{FF2B5EF4-FFF2-40B4-BE49-F238E27FC236}">
-                <a16:creationId xmlns:a16="http://schemas.microsoft.com/office/drawing/2014/main" id="{0F807C13-15EB-A36B-4968-45DDF9BAADE1}"/>
+                <a16:creationId xmlns:a16="http://schemas.microsoft.com/office/drawing/2014/main" id="{5C709255-3EB4-7B3A-B741-EC7AD55DF776}"/>
               </a:ext>
             </a:extLst>
           </p:cNvPr>
@@ -488,7 +488,7 @@
           <p:cNvPr id="6" name="灯片编号占位符 5">
             <a:extLst>
               <a:ext uri="{FF2B5EF4-FFF2-40B4-BE49-F238E27FC236}">
-                <a16:creationId xmlns:a16="http://schemas.microsoft.com/office/drawing/2014/main" id="{F599D152-E958-12C5-2AFE-C47989143EAF}"/>
+                <a16:creationId xmlns:a16="http://schemas.microsoft.com/office/drawing/2014/main" id="{AD640300-0A00-D66E-DCD8-8CADFA6E246A}"/>
               </a:ext>
             </a:extLst>
           </p:cNvPr>
@@ -504,7 +504,7 @@
           <a:bodyPr/>
           <a:lstStyle/>
           <a:p>
-            <a:fld id="{BBA35E8E-E720-43F1-9070-0180838323D8}" type="slidenum">
+            <a:fld id="{BB66E4A6-415C-4E82-B419-7B2978918924}" type="slidenum">
               <a:rPr lang="zh-CN" altLang="en-US" smtClean="0"/>
               <a:t>‹#›</a:t>
             </a:fld>
@@ -515,7 +515,7 @@
     </p:spTree>
     <p:extLst>
       <p:ext uri="{BB962C8B-B14F-4D97-AF65-F5344CB8AC3E}">
-        <p14:creationId xmlns:p14="http://schemas.microsoft.com/office/powerpoint/2010/main" val="4258381678"/>
+        <p14:creationId xmlns:p14="http://schemas.microsoft.com/office/powerpoint/2010/main" val="3115251889"/>
       </p:ext>
     </p:extLst>
   </p:cSld>
@@ -547,7 +547,7 @@
           <p:cNvPr id="2" name="竖排标题 1">
             <a:extLst>
               <a:ext uri="{FF2B5EF4-FFF2-40B4-BE49-F238E27FC236}">
-                <a16:creationId xmlns:a16="http://schemas.microsoft.com/office/drawing/2014/main" id="{1848A78E-42B3-13E2-F0D0-850D63A88A30}"/>
+                <a16:creationId xmlns:a16="http://schemas.microsoft.com/office/drawing/2014/main" id="{EC65DB99-12C7-7162-5EF0-BBA3163BC61F}"/>
               </a:ext>
             </a:extLst>
           </p:cNvPr>
@@ -580,7 +580,7 @@
           <p:cNvPr id="3" name="竖排文字占位符 2">
             <a:extLst>
               <a:ext uri="{FF2B5EF4-FFF2-40B4-BE49-F238E27FC236}">
-                <a16:creationId xmlns:a16="http://schemas.microsoft.com/office/drawing/2014/main" id="{EC05BE50-5FDE-846E-E874-CBA9BFDEB9B6}"/>
+                <a16:creationId xmlns:a16="http://schemas.microsoft.com/office/drawing/2014/main" id="{9A8D9C26-CDCA-74AC-472B-1EDA046D1F40}"/>
               </a:ext>
             </a:extLst>
           </p:cNvPr>
@@ -642,7 +642,7 @@
           <p:cNvPr id="4" name="日期占位符 3">
             <a:extLst>
               <a:ext uri="{FF2B5EF4-FFF2-40B4-BE49-F238E27FC236}">
-                <a16:creationId xmlns:a16="http://schemas.microsoft.com/office/drawing/2014/main" id="{71F7EA6D-9FBD-2F9D-E250-9462EC0C5824}"/>
+                <a16:creationId xmlns:a16="http://schemas.microsoft.com/office/drawing/2014/main" id="{E08FF14B-6753-70FA-EE4D-8DCD8EAE19D7}"/>
               </a:ext>
             </a:extLst>
           </p:cNvPr>
@@ -658,7 +658,7 @@
           <a:bodyPr/>
           <a:lstStyle/>
           <a:p>
-            <a:fld id="{932502E9-509C-4910-9156-576E71BB85FA}" type="datetimeFigureOut">
+            <a:fld id="{37ADE18D-C34D-4A5B-AF13-07FB58D304D3}" type="datetimeFigureOut">
               <a:rPr lang="zh-CN" altLang="en-US" smtClean="0"/>
               <a:t>2024/3/10</a:t>
             </a:fld>
@@ -671,7 +671,7 @@
           <p:cNvPr id="5" name="页脚占位符 4">
             <a:extLst>
               <a:ext uri="{FF2B5EF4-FFF2-40B4-BE49-F238E27FC236}">
-                <a16:creationId xmlns:a16="http://schemas.microsoft.com/office/drawing/2014/main" id="{4C6D07EA-2D94-D248-4F45-9DD06E8E7D73}"/>
+                <a16:creationId xmlns:a16="http://schemas.microsoft.com/office/drawing/2014/main" id="{DD89E6DF-D96A-A678-1300-60AF6C7A2012}"/>
               </a:ext>
             </a:extLst>
           </p:cNvPr>
@@ -696,7 +696,7 @@
           <p:cNvPr id="6" name="灯片编号占位符 5">
             <a:extLst>
               <a:ext uri="{FF2B5EF4-FFF2-40B4-BE49-F238E27FC236}">
-                <a16:creationId xmlns:a16="http://schemas.microsoft.com/office/drawing/2014/main" id="{F6914E69-683D-E52C-4E46-801F138927F7}"/>
+                <a16:creationId xmlns:a16="http://schemas.microsoft.com/office/drawing/2014/main" id="{F19388B2-83F2-D5F9-851C-4A8EF42C3306}"/>
               </a:ext>
             </a:extLst>
           </p:cNvPr>
@@ -712,7 +712,7 @@
           <a:bodyPr/>
           <a:lstStyle/>
           <a:p>
-            <a:fld id="{BBA35E8E-E720-43F1-9070-0180838323D8}" type="slidenum">
+            <a:fld id="{BB66E4A6-415C-4E82-B419-7B2978918924}" type="slidenum">
               <a:rPr lang="zh-CN" altLang="en-US" smtClean="0"/>
               <a:t>‹#›</a:t>
             </a:fld>
@@ -723,7 +723,7 @@
     </p:spTree>
     <p:extLst>
       <p:ext uri="{BB962C8B-B14F-4D97-AF65-F5344CB8AC3E}">
-        <p14:creationId xmlns:p14="http://schemas.microsoft.com/office/powerpoint/2010/main" val="1526091857"/>
+        <p14:creationId xmlns:p14="http://schemas.microsoft.com/office/powerpoint/2010/main" val="3857953168"/>
       </p:ext>
     </p:extLst>
   </p:cSld>
@@ -755,7 +755,7 @@
           <p:cNvPr id="2" name="标题 1">
             <a:extLst>
               <a:ext uri="{FF2B5EF4-FFF2-40B4-BE49-F238E27FC236}">
-                <a16:creationId xmlns:a16="http://schemas.microsoft.com/office/drawing/2014/main" id="{2881294E-07A7-1F43-4F75-72ADD1EC401D}"/>
+                <a16:creationId xmlns:a16="http://schemas.microsoft.com/office/drawing/2014/main" id="{979876EF-4B4A-60FB-17DE-1EA8FD6FB588}"/>
               </a:ext>
             </a:extLst>
           </p:cNvPr>
@@ -783,7 +783,7 @@
           <p:cNvPr id="3" name="内容占位符 2">
             <a:extLst>
               <a:ext uri="{FF2B5EF4-FFF2-40B4-BE49-F238E27FC236}">
-                <a16:creationId xmlns:a16="http://schemas.microsoft.com/office/drawing/2014/main" id="{D8DEBCC7-5380-CF54-E277-021CEE6FA17C}"/>
+                <a16:creationId xmlns:a16="http://schemas.microsoft.com/office/drawing/2014/main" id="{03302209-49D8-CAF3-D86C-B82499A5C469}"/>
               </a:ext>
             </a:extLst>
           </p:cNvPr>
@@ -840,7 +840,7 @@
           <p:cNvPr id="4" name="日期占位符 3">
             <a:extLst>
               <a:ext uri="{FF2B5EF4-FFF2-40B4-BE49-F238E27FC236}">
-                <a16:creationId xmlns:a16="http://schemas.microsoft.com/office/drawing/2014/main" id="{D3CAAF6F-0A55-1C33-3EC2-2C6DAD2F6F96}"/>
+                <a16:creationId xmlns:a16="http://schemas.microsoft.com/office/drawing/2014/main" id="{CF85EB2D-1855-3F3C-5321-B5F70B84C3FF}"/>
               </a:ext>
             </a:extLst>
           </p:cNvPr>
@@ -856,7 +856,7 @@
           <a:bodyPr/>
           <a:lstStyle/>
           <a:p>
-            <a:fld id="{932502E9-509C-4910-9156-576E71BB85FA}" type="datetimeFigureOut">
+            <a:fld id="{37ADE18D-C34D-4A5B-AF13-07FB58D304D3}" type="datetimeFigureOut">
               <a:rPr lang="zh-CN" altLang="en-US" smtClean="0"/>
               <a:t>2024/3/10</a:t>
             </a:fld>
@@ -869,7 +869,7 @@
           <p:cNvPr id="5" name="页脚占位符 4">
             <a:extLst>
               <a:ext uri="{FF2B5EF4-FFF2-40B4-BE49-F238E27FC236}">
-                <a16:creationId xmlns:a16="http://schemas.microsoft.com/office/drawing/2014/main" id="{635576A0-AD9F-B80D-389F-C43FB4DC93EE}"/>
+                <a16:creationId xmlns:a16="http://schemas.microsoft.com/office/drawing/2014/main" id="{A5D47DC2-4EF2-CE0F-BD25-10DCC1AB05B5}"/>
               </a:ext>
             </a:extLst>
           </p:cNvPr>
@@ -894,7 +894,7 @@
           <p:cNvPr id="6" name="灯片编号占位符 5">
             <a:extLst>
               <a:ext uri="{FF2B5EF4-FFF2-40B4-BE49-F238E27FC236}">
-                <a16:creationId xmlns:a16="http://schemas.microsoft.com/office/drawing/2014/main" id="{6E924C77-090B-2650-C511-6CBDC40C74F7}"/>
+                <a16:creationId xmlns:a16="http://schemas.microsoft.com/office/drawing/2014/main" id="{C4944D01-2C54-AF51-5F19-FE3CF9DB3A45}"/>
               </a:ext>
             </a:extLst>
           </p:cNvPr>
@@ -910,7 +910,7 @@
           <a:bodyPr/>
           <a:lstStyle/>
           <a:p>
-            <a:fld id="{BBA35E8E-E720-43F1-9070-0180838323D8}" type="slidenum">
+            <a:fld id="{BB66E4A6-415C-4E82-B419-7B2978918924}" type="slidenum">
               <a:rPr lang="zh-CN" altLang="en-US" smtClean="0"/>
               <a:t>‹#›</a:t>
             </a:fld>
@@ -921,7 +921,7 @@
     </p:spTree>
     <p:extLst>
       <p:ext uri="{BB962C8B-B14F-4D97-AF65-F5344CB8AC3E}">
-        <p14:creationId xmlns:p14="http://schemas.microsoft.com/office/powerpoint/2010/main" val="3060085402"/>
+        <p14:creationId xmlns:p14="http://schemas.microsoft.com/office/powerpoint/2010/main" val="3095867927"/>
       </p:ext>
     </p:extLst>
   </p:cSld>
@@ -953,7 +953,7 @@
           <p:cNvPr id="2" name="标题 1">
             <a:extLst>
               <a:ext uri="{FF2B5EF4-FFF2-40B4-BE49-F238E27FC236}">
-                <a16:creationId xmlns:a16="http://schemas.microsoft.com/office/drawing/2014/main" id="{9EDF23E1-44B1-6FCB-E7FC-A076759BAF60}"/>
+                <a16:creationId xmlns:a16="http://schemas.microsoft.com/office/drawing/2014/main" id="{F9287750-83D7-BBD6-1B97-635C4CDEE7F8}"/>
               </a:ext>
             </a:extLst>
           </p:cNvPr>
@@ -990,7 +990,7 @@
           <p:cNvPr id="3" name="文本占位符 2">
             <a:extLst>
               <a:ext uri="{FF2B5EF4-FFF2-40B4-BE49-F238E27FC236}">
-                <a16:creationId xmlns:a16="http://schemas.microsoft.com/office/drawing/2014/main" id="{D25935F0-E047-E319-AEAA-7B562D1070B0}"/>
+                <a16:creationId xmlns:a16="http://schemas.microsoft.com/office/drawing/2014/main" id="{3933ADDA-6120-5A1B-CEF4-3FAD4182BFEC}"/>
               </a:ext>
             </a:extLst>
           </p:cNvPr>
@@ -1115,7 +1115,7 @@
           <p:cNvPr id="4" name="日期占位符 3">
             <a:extLst>
               <a:ext uri="{FF2B5EF4-FFF2-40B4-BE49-F238E27FC236}">
-                <a16:creationId xmlns:a16="http://schemas.microsoft.com/office/drawing/2014/main" id="{02D3B5C2-CDDD-5CE1-E4AC-DD9C96649FB6}"/>
+                <a16:creationId xmlns:a16="http://schemas.microsoft.com/office/drawing/2014/main" id="{0C8DD1F4-B585-C3E0-DD1E-A752C9039B0F}"/>
               </a:ext>
             </a:extLst>
           </p:cNvPr>
@@ -1131,7 +1131,7 @@
           <a:bodyPr/>
           <a:lstStyle/>
           <a:p>
-            <a:fld id="{932502E9-509C-4910-9156-576E71BB85FA}" type="datetimeFigureOut">
+            <a:fld id="{37ADE18D-C34D-4A5B-AF13-07FB58D304D3}" type="datetimeFigureOut">
               <a:rPr lang="zh-CN" altLang="en-US" smtClean="0"/>
               <a:t>2024/3/10</a:t>
             </a:fld>
@@ -1144,7 +1144,7 @@
           <p:cNvPr id="5" name="页脚占位符 4">
             <a:extLst>
               <a:ext uri="{FF2B5EF4-FFF2-40B4-BE49-F238E27FC236}">
-                <a16:creationId xmlns:a16="http://schemas.microsoft.com/office/drawing/2014/main" id="{F500F7C5-517F-9946-951D-C850B5E52477}"/>
+                <a16:creationId xmlns:a16="http://schemas.microsoft.com/office/drawing/2014/main" id="{01445A19-5D69-1DC3-64A0-F356A78861C3}"/>
               </a:ext>
             </a:extLst>
           </p:cNvPr>
@@ -1169,7 +1169,7 @@
           <p:cNvPr id="6" name="灯片编号占位符 5">
             <a:extLst>
               <a:ext uri="{FF2B5EF4-FFF2-40B4-BE49-F238E27FC236}">
-                <a16:creationId xmlns:a16="http://schemas.microsoft.com/office/drawing/2014/main" id="{843DC5C1-F558-205D-D520-A86ADF2EF0B7}"/>
+                <a16:creationId xmlns:a16="http://schemas.microsoft.com/office/drawing/2014/main" id="{6FC63AE5-BE5F-2BDB-D7FF-65B558950566}"/>
               </a:ext>
             </a:extLst>
           </p:cNvPr>
@@ -1185,7 +1185,7 @@
           <a:bodyPr/>
           <a:lstStyle/>
           <a:p>
-            <a:fld id="{BBA35E8E-E720-43F1-9070-0180838323D8}" type="slidenum">
+            <a:fld id="{BB66E4A6-415C-4E82-B419-7B2978918924}" type="slidenum">
               <a:rPr lang="zh-CN" altLang="en-US" smtClean="0"/>
               <a:t>‹#›</a:t>
             </a:fld>
@@ -1196,7 +1196,7 @@
     </p:spTree>
     <p:extLst>
       <p:ext uri="{BB962C8B-B14F-4D97-AF65-F5344CB8AC3E}">
-        <p14:creationId xmlns:p14="http://schemas.microsoft.com/office/powerpoint/2010/main" val="3557015683"/>
+        <p14:creationId xmlns:p14="http://schemas.microsoft.com/office/powerpoint/2010/main" val="1716980200"/>
       </p:ext>
     </p:extLst>
   </p:cSld>
@@ -1228,7 +1228,7 @@
           <p:cNvPr id="2" name="标题 1">
             <a:extLst>
               <a:ext uri="{FF2B5EF4-FFF2-40B4-BE49-F238E27FC236}">
-                <a16:creationId xmlns:a16="http://schemas.microsoft.com/office/drawing/2014/main" id="{D7D3728F-A7CE-82CA-44C5-B9F4EE2FB5EC}"/>
+                <a16:creationId xmlns:a16="http://schemas.microsoft.com/office/drawing/2014/main" id="{8A8624E9-27D6-E828-94F6-F9FE545C1057}"/>
               </a:ext>
             </a:extLst>
           </p:cNvPr>
@@ -1256,7 +1256,7 @@
           <p:cNvPr id="3" name="内容占位符 2">
             <a:extLst>
               <a:ext uri="{FF2B5EF4-FFF2-40B4-BE49-F238E27FC236}">
-                <a16:creationId xmlns:a16="http://schemas.microsoft.com/office/drawing/2014/main" id="{067DD7E6-1ED4-4109-86FC-FC0167FE3792}"/>
+                <a16:creationId xmlns:a16="http://schemas.microsoft.com/office/drawing/2014/main" id="{0A20EBDB-89FF-4D1C-DBC5-DB9837FB26FC}"/>
               </a:ext>
             </a:extLst>
           </p:cNvPr>
@@ -1318,7 +1318,7 @@
           <p:cNvPr id="4" name="内容占位符 3">
             <a:extLst>
               <a:ext uri="{FF2B5EF4-FFF2-40B4-BE49-F238E27FC236}">
-                <a16:creationId xmlns:a16="http://schemas.microsoft.com/office/drawing/2014/main" id="{C61F2076-D9CA-86D9-2429-573AFC549C12}"/>
+                <a16:creationId xmlns:a16="http://schemas.microsoft.com/office/drawing/2014/main" id="{7890678A-C33D-A293-4A3B-513C90FCF56E}"/>
               </a:ext>
             </a:extLst>
           </p:cNvPr>
@@ -1380,7 +1380,7 @@
           <p:cNvPr id="5" name="日期占位符 4">
             <a:extLst>
               <a:ext uri="{FF2B5EF4-FFF2-40B4-BE49-F238E27FC236}">
-                <a16:creationId xmlns:a16="http://schemas.microsoft.com/office/drawing/2014/main" id="{C40D0E64-A427-4153-42C4-D4AE0B1052C7}"/>
+                <a16:creationId xmlns:a16="http://schemas.microsoft.com/office/drawing/2014/main" id="{78B2D9F4-A141-CE8B-92F5-DE8021C72CEC}"/>
               </a:ext>
             </a:extLst>
           </p:cNvPr>
@@ -1396,7 +1396,7 @@
           <a:bodyPr/>
           <a:lstStyle/>
           <a:p>
-            <a:fld id="{932502E9-509C-4910-9156-576E71BB85FA}" type="datetimeFigureOut">
+            <a:fld id="{37ADE18D-C34D-4A5B-AF13-07FB58D304D3}" type="datetimeFigureOut">
               <a:rPr lang="zh-CN" altLang="en-US" smtClean="0"/>
               <a:t>2024/3/10</a:t>
             </a:fld>
@@ -1409,7 +1409,7 @@
           <p:cNvPr id="6" name="页脚占位符 5">
             <a:extLst>
               <a:ext uri="{FF2B5EF4-FFF2-40B4-BE49-F238E27FC236}">
-                <a16:creationId xmlns:a16="http://schemas.microsoft.com/office/drawing/2014/main" id="{EB8A620F-ADD9-03B6-97C6-1BDA11CA8F40}"/>
+                <a16:creationId xmlns:a16="http://schemas.microsoft.com/office/drawing/2014/main" id="{C0A43225-02EF-68F7-137F-1191A2812E81}"/>
               </a:ext>
             </a:extLst>
           </p:cNvPr>
@@ -1434,7 +1434,7 @@
           <p:cNvPr id="7" name="灯片编号占位符 6">
             <a:extLst>
               <a:ext uri="{FF2B5EF4-FFF2-40B4-BE49-F238E27FC236}">
-                <a16:creationId xmlns:a16="http://schemas.microsoft.com/office/drawing/2014/main" id="{0EFC1B51-8487-8C2E-918D-8834E032A0D8}"/>
+                <a16:creationId xmlns:a16="http://schemas.microsoft.com/office/drawing/2014/main" id="{9DBA7BE2-9A08-9020-939D-1BEC7DE778B0}"/>
               </a:ext>
             </a:extLst>
           </p:cNvPr>
@@ -1450,7 +1450,7 @@
           <a:bodyPr/>
           <a:lstStyle/>
           <a:p>
-            <a:fld id="{BBA35E8E-E720-43F1-9070-0180838323D8}" type="slidenum">
+            <a:fld id="{BB66E4A6-415C-4E82-B419-7B2978918924}" type="slidenum">
               <a:rPr lang="zh-CN" altLang="en-US" smtClean="0"/>
               <a:t>‹#›</a:t>
             </a:fld>
@@ -1461,7 +1461,7 @@
     </p:spTree>
     <p:extLst>
       <p:ext uri="{BB962C8B-B14F-4D97-AF65-F5344CB8AC3E}">
-        <p14:creationId xmlns:p14="http://schemas.microsoft.com/office/powerpoint/2010/main" val="1061310842"/>
+        <p14:creationId xmlns:p14="http://schemas.microsoft.com/office/powerpoint/2010/main" val="3475289134"/>
       </p:ext>
     </p:extLst>
   </p:cSld>
@@ -1493,7 +1493,7 @@
           <p:cNvPr id="2" name="标题 1">
             <a:extLst>
               <a:ext uri="{FF2B5EF4-FFF2-40B4-BE49-F238E27FC236}">
-                <a16:creationId xmlns:a16="http://schemas.microsoft.com/office/drawing/2014/main" id="{1D138B0D-D33B-296F-9E59-1ED6B4622C0D}"/>
+                <a16:creationId xmlns:a16="http://schemas.microsoft.com/office/drawing/2014/main" id="{94D14F9A-C7D5-FD2A-2794-5B71D85FC596}"/>
               </a:ext>
             </a:extLst>
           </p:cNvPr>
@@ -1526,7 +1526,7 @@
           <p:cNvPr id="3" name="文本占位符 2">
             <a:extLst>
               <a:ext uri="{FF2B5EF4-FFF2-40B4-BE49-F238E27FC236}">
-                <a16:creationId xmlns:a16="http://schemas.microsoft.com/office/drawing/2014/main" id="{BC1917C7-9C08-C5DB-A361-F6411E4CB2FE}"/>
+                <a16:creationId xmlns:a16="http://schemas.microsoft.com/office/drawing/2014/main" id="{D73635B2-21D7-ADBC-7A79-5FC91E6D18EA}"/>
               </a:ext>
             </a:extLst>
           </p:cNvPr>
@@ -1597,7 +1597,7 @@
           <p:cNvPr id="4" name="内容占位符 3">
             <a:extLst>
               <a:ext uri="{FF2B5EF4-FFF2-40B4-BE49-F238E27FC236}">
-                <a16:creationId xmlns:a16="http://schemas.microsoft.com/office/drawing/2014/main" id="{B1F838F8-9657-1E4E-28FF-B70FA11E6F65}"/>
+                <a16:creationId xmlns:a16="http://schemas.microsoft.com/office/drawing/2014/main" id="{B6A52C12-20B2-7F50-7507-C81E2897A044}"/>
               </a:ext>
             </a:extLst>
           </p:cNvPr>
@@ -1659,7 +1659,7 @@
           <p:cNvPr id="5" name="文本占位符 4">
             <a:extLst>
               <a:ext uri="{FF2B5EF4-FFF2-40B4-BE49-F238E27FC236}">
-                <a16:creationId xmlns:a16="http://schemas.microsoft.com/office/drawing/2014/main" id="{960A79BE-8332-050E-F818-F1B8B13B32FF}"/>
+                <a16:creationId xmlns:a16="http://schemas.microsoft.com/office/drawing/2014/main" id="{79624EFB-9FF3-D167-1146-9699D0318322}"/>
               </a:ext>
             </a:extLst>
           </p:cNvPr>
@@ -1730,7 +1730,7 @@
           <p:cNvPr id="6" name="内容占位符 5">
             <a:extLst>
               <a:ext uri="{FF2B5EF4-FFF2-40B4-BE49-F238E27FC236}">
-                <a16:creationId xmlns:a16="http://schemas.microsoft.com/office/drawing/2014/main" id="{3FA9C950-3BA1-88F7-6319-B0101A71DF3A}"/>
+                <a16:creationId xmlns:a16="http://schemas.microsoft.com/office/drawing/2014/main" id="{35325292-D906-020B-1E27-E07D69C7492C}"/>
               </a:ext>
             </a:extLst>
           </p:cNvPr>
@@ -1792,7 +1792,7 @@
           <p:cNvPr id="7" name="日期占位符 6">
             <a:extLst>
               <a:ext uri="{FF2B5EF4-FFF2-40B4-BE49-F238E27FC236}">
-                <a16:creationId xmlns:a16="http://schemas.microsoft.com/office/drawing/2014/main" id="{11761E1F-BCCA-3ADE-AD07-534D7B792939}"/>
+                <a16:creationId xmlns:a16="http://schemas.microsoft.com/office/drawing/2014/main" id="{8796313D-3BB2-547B-4C16-A5AF4C533F94}"/>
               </a:ext>
             </a:extLst>
           </p:cNvPr>
@@ -1808,7 +1808,7 @@
           <a:bodyPr/>
           <a:lstStyle/>
           <a:p>
-            <a:fld id="{932502E9-509C-4910-9156-576E71BB85FA}" type="datetimeFigureOut">
+            <a:fld id="{37ADE18D-C34D-4A5B-AF13-07FB58D304D3}" type="datetimeFigureOut">
               <a:rPr lang="zh-CN" altLang="en-US" smtClean="0"/>
               <a:t>2024/3/10</a:t>
             </a:fld>
@@ -1821,7 +1821,7 @@
           <p:cNvPr id="8" name="页脚占位符 7">
             <a:extLst>
               <a:ext uri="{FF2B5EF4-FFF2-40B4-BE49-F238E27FC236}">
-                <a16:creationId xmlns:a16="http://schemas.microsoft.com/office/drawing/2014/main" id="{36A7D0BE-A660-6D04-6EEC-6F790501A3CF}"/>
+                <a16:creationId xmlns:a16="http://schemas.microsoft.com/office/drawing/2014/main" id="{AD9E3389-FB9A-DD3E-7A0C-84F237C3CB6D}"/>
               </a:ext>
             </a:extLst>
           </p:cNvPr>
@@ -1846,7 +1846,7 @@
           <p:cNvPr id="9" name="灯片编号占位符 8">
             <a:extLst>
               <a:ext uri="{FF2B5EF4-FFF2-40B4-BE49-F238E27FC236}">
-                <a16:creationId xmlns:a16="http://schemas.microsoft.com/office/drawing/2014/main" id="{338822F6-9BA6-55AB-D64C-0330C44CF2CA}"/>
+                <a16:creationId xmlns:a16="http://schemas.microsoft.com/office/drawing/2014/main" id="{D9912E63-CDD9-C12D-478C-96EA241EB2C4}"/>
               </a:ext>
             </a:extLst>
           </p:cNvPr>
@@ -1862,7 +1862,7 @@
           <a:bodyPr/>
           <a:lstStyle/>
           <a:p>
-            <a:fld id="{BBA35E8E-E720-43F1-9070-0180838323D8}" type="slidenum">
+            <a:fld id="{BB66E4A6-415C-4E82-B419-7B2978918924}" type="slidenum">
               <a:rPr lang="zh-CN" altLang="en-US" smtClean="0"/>
               <a:t>‹#›</a:t>
             </a:fld>
@@ -1873,7 +1873,7 @@
     </p:spTree>
     <p:extLst>
       <p:ext uri="{BB962C8B-B14F-4D97-AF65-F5344CB8AC3E}">
-        <p14:creationId xmlns:p14="http://schemas.microsoft.com/office/powerpoint/2010/main" val="1716306246"/>
+        <p14:creationId xmlns:p14="http://schemas.microsoft.com/office/powerpoint/2010/main" val="4138061925"/>
       </p:ext>
     </p:extLst>
   </p:cSld>
@@ -1905,7 +1905,7 @@
           <p:cNvPr id="2" name="标题 1">
             <a:extLst>
               <a:ext uri="{FF2B5EF4-FFF2-40B4-BE49-F238E27FC236}">
-                <a16:creationId xmlns:a16="http://schemas.microsoft.com/office/drawing/2014/main" id="{E05211D2-DA5A-8E69-0E3A-58E0D7151F37}"/>
+                <a16:creationId xmlns:a16="http://schemas.microsoft.com/office/drawing/2014/main" id="{7DF19DF3-DBD4-0BCE-04BA-FB16CCC99D6E}"/>
               </a:ext>
             </a:extLst>
           </p:cNvPr>
@@ -1933,7 +1933,7 @@
           <p:cNvPr id="3" name="日期占位符 2">
             <a:extLst>
               <a:ext uri="{FF2B5EF4-FFF2-40B4-BE49-F238E27FC236}">
-                <a16:creationId xmlns:a16="http://schemas.microsoft.com/office/drawing/2014/main" id="{278A6E38-34A3-EE86-56F5-3F5FB73DA0AF}"/>
+                <a16:creationId xmlns:a16="http://schemas.microsoft.com/office/drawing/2014/main" id="{D5AC4EAF-68B7-C2DB-F30E-A4BC3A08350E}"/>
               </a:ext>
             </a:extLst>
           </p:cNvPr>
@@ -1949,7 +1949,7 @@
           <a:bodyPr/>
           <a:lstStyle/>
           <a:p>
-            <a:fld id="{932502E9-509C-4910-9156-576E71BB85FA}" type="datetimeFigureOut">
+            <a:fld id="{37ADE18D-C34D-4A5B-AF13-07FB58D304D3}" type="datetimeFigureOut">
               <a:rPr lang="zh-CN" altLang="en-US" smtClean="0"/>
               <a:t>2024/3/10</a:t>
             </a:fld>
@@ -1962,7 +1962,7 @@
           <p:cNvPr id="4" name="页脚占位符 3">
             <a:extLst>
               <a:ext uri="{FF2B5EF4-FFF2-40B4-BE49-F238E27FC236}">
-                <a16:creationId xmlns:a16="http://schemas.microsoft.com/office/drawing/2014/main" id="{91971A0B-8058-5939-20A2-BCEB8B8405EA}"/>
+                <a16:creationId xmlns:a16="http://schemas.microsoft.com/office/drawing/2014/main" id="{27212FCE-8547-E0EF-DC81-C2BC9760A233}"/>
               </a:ext>
             </a:extLst>
           </p:cNvPr>
@@ -1987,7 +1987,7 @@
           <p:cNvPr id="5" name="灯片编号占位符 4">
             <a:extLst>
               <a:ext uri="{FF2B5EF4-FFF2-40B4-BE49-F238E27FC236}">
-                <a16:creationId xmlns:a16="http://schemas.microsoft.com/office/drawing/2014/main" id="{F96513A0-9C88-ED88-7A9B-123AA90E4B84}"/>
+                <a16:creationId xmlns:a16="http://schemas.microsoft.com/office/drawing/2014/main" id="{22546B9A-3688-3A4A-3AE0-D2564C020D17}"/>
               </a:ext>
             </a:extLst>
           </p:cNvPr>
@@ -2003,7 +2003,7 @@
           <a:bodyPr/>
           <a:lstStyle/>
           <a:p>
-            <a:fld id="{BBA35E8E-E720-43F1-9070-0180838323D8}" type="slidenum">
+            <a:fld id="{BB66E4A6-415C-4E82-B419-7B2978918924}" type="slidenum">
               <a:rPr lang="zh-CN" altLang="en-US" smtClean="0"/>
               <a:t>‹#›</a:t>
             </a:fld>
@@ -2014,7 +2014,7 @@
     </p:spTree>
     <p:extLst>
       <p:ext uri="{BB962C8B-B14F-4D97-AF65-F5344CB8AC3E}">
-        <p14:creationId xmlns:p14="http://schemas.microsoft.com/office/powerpoint/2010/main" val="243072699"/>
+        <p14:creationId xmlns:p14="http://schemas.microsoft.com/office/powerpoint/2010/main" val="2213736131"/>
       </p:ext>
     </p:extLst>
   </p:cSld>
@@ -2046,7 +2046,7 @@
           <p:cNvPr id="2" name="日期占位符 1">
             <a:extLst>
               <a:ext uri="{FF2B5EF4-FFF2-40B4-BE49-F238E27FC236}">
-                <a16:creationId xmlns:a16="http://schemas.microsoft.com/office/drawing/2014/main" id="{9332D209-F389-F051-C84A-A29E3DF0A911}"/>
+                <a16:creationId xmlns:a16="http://schemas.microsoft.com/office/drawing/2014/main" id="{EE31623A-2D5A-FBF2-0BC9-372C2725EFC6}"/>
               </a:ext>
             </a:extLst>
           </p:cNvPr>
@@ -2062,7 +2062,7 @@
           <a:bodyPr/>
           <a:lstStyle/>
           <a:p>
-            <a:fld id="{932502E9-509C-4910-9156-576E71BB85FA}" type="datetimeFigureOut">
+            <a:fld id="{37ADE18D-C34D-4A5B-AF13-07FB58D304D3}" type="datetimeFigureOut">
               <a:rPr lang="zh-CN" altLang="en-US" smtClean="0"/>
               <a:t>2024/3/10</a:t>
             </a:fld>
@@ -2075,7 +2075,7 @@
           <p:cNvPr id="3" name="页脚占位符 2">
             <a:extLst>
               <a:ext uri="{FF2B5EF4-FFF2-40B4-BE49-F238E27FC236}">
-                <a16:creationId xmlns:a16="http://schemas.microsoft.com/office/drawing/2014/main" id="{12D38C67-95C1-52DE-FB58-3465FB8CDB23}"/>
+                <a16:creationId xmlns:a16="http://schemas.microsoft.com/office/drawing/2014/main" id="{3051DABE-994F-AEB8-0C9C-197AFD76393A}"/>
               </a:ext>
             </a:extLst>
           </p:cNvPr>
@@ -2100,7 +2100,7 @@
           <p:cNvPr id="4" name="灯片编号占位符 3">
             <a:extLst>
               <a:ext uri="{FF2B5EF4-FFF2-40B4-BE49-F238E27FC236}">
-                <a16:creationId xmlns:a16="http://schemas.microsoft.com/office/drawing/2014/main" id="{29643C94-3BE9-8840-C345-FB34317E88A1}"/>
+                <a16:creationId xmlns:a16="http://schemas.microsoft.com/office/drawing/2014/main" id="{0D4F3BAA-2B5B-58DD-8147-2FC6080AFD19}"/>
               </a:ext>
             </a:extLst>
           </p:cNvPr>
@@ -2116,7 +2116,7 @@
           <a:bodyPr/>
           <a:lstStyle/>
           <a:p>
-            <a:fld id="{BBA35E8E-E720-43F1-9070-0180838323D8}" type="slidenum">
+            <a:fld id="{BB66E4A6-415C-4E82-B419-7B2978918924}" type="slidenum">
               <a:rPr lang="zh-CN" altLang="en-US" smtClean="0"/>
               <a:t>‹#›</a:t>
             </a:fld>
@@ -2127,7 +2127,7 @@
     </p:spTree>
     <p:extLst>
       <p:ext uri="{BB962C8B-B14F-4D97-AF65-F5344CB8AC3E}">
-        <p14:creationId xmlns:p14="http://schemas.microsoft.com/office/powerpoint/2010/main" val="716606536"/>
+        <p14:creationId xmlns:p14="http://schemas.microsoft.com/office/powerpoint/2010/main" val="1976939130"/>
       </p:ext>
     </p:extLst>
   </p:cSld>
@@ -2159,7 +2159,7 @@
           <p:cNvPr id="2" name="标题 1">
             <a:extLst>
               <a:ext uri="{FF2B5EF4-FFF2-40B4-BE49-F238E27FC236}">
-                <a16:creationId xmlns:a16="http://schemas.microsoft.com/office/drawing/2014/main" id="{37BB8711-AF1D-91DA-17AA-68069766513A}"/>
+                <a16:creationId xmlns:a16="http://schemas.microsoft.com/office/drawing/2014/main" id="{60B406E6-6193-69EF-71E2-D549BE54FFEC}"/>
               </a:ext>
             </a:extLst>
           </p:cNvPr>
@@ -2196,7 +2196,7 @@
           <p:cNvPr id="3" name="内容占位符 2">
             <a:extLst>
               <a:ext uri="{FF2B5EF4-FFF2-40B4-BE49-F238E27FC236}">
-                <a16:creationId xmlns:a16="http://schemas.microsoft.com/office/drawing/2014/main" id="{65217F13-9980-11F6-67F4-F530BE3BE6EA}"/>
+                <a16:creationId xmlns:a16="http://schemas.microsoft.com/office/drawing/2014/main" id="{3F6FD66C-B072-2F26-9CB4-183E72595F92}"/>
               </a:ext>
             </a:extLst>
           </p:cNvPr>
@@ -2286,7 +2286,7 @@
           <p:cNvPr id="4" name="文本占位符 3">
             <a:extLst>
               <a:ext uri="{FF2B5EF4-FFF2-40B4-BE49-F238E27FC236}">
-                <a16:creationId xmlns:a16="http://schemas.microsoft.com/office/drawing/2014/main" id="{2EC9E229-ADDB-033C-70DE-3F39F0301588}"/>
+                <a16:creationId xmlns:a16="http://schemas.microsoft.com/office/drawing/2014/main" id="{6FE54F66-DC1F-B9BD-3C56-6EE19D95937E}"/>
               </a:ext>
             </a:extLst>
           </p:cNvPr>
@@ -2357,7 +2357,7 @@
           <p:cNvPr id="5" name="日期占位符 4">
             <a:extLst>
               <a:ext uri="{FF2B5EF4-FFF2-40B4-BE49-F238E27FC236}">
-                <a16:creationId xmlns:a16="http://schemas.microsoft.com/office/drawing/2014/main" id="{6A91662E-504F-DBF3-1987-8DA4A8FFA343}"/>
+                <a16:creationId xmlns:a16="http://schemas.microsoft.com/office/drawing/2014/main" id="{304BE36A-C997-A7DF-E480-348D2DD0F10C}"/>
               </a:ext>
             </a:extLst>
           </p:cNvPr>
@@ -2373,7 +2373,7 @@
           <a:bodyPr/>
           <a:lstStyle/>
           <a:p>
-            <a:fld id="{932502E9-509C-4910-9156-576E71BB85FA}" type="datetimeFigureOut">
+            <a:fld id="{37ADE18D-C34D-4A5B-AF13-07FB58D304D3}" type="datetimeFigureOut">
               <a:rPr lang="zh-CN" altLang="en-US" smtClean="0"/>
               <a:t>2024/3/10</a:t>
             </a:fld>
@@ -2386,7 +2386,7 @@
           <p:cNvPr id="6" name="页脚占位符 5">
             <a:extLst>
               <a:ext uri="{FF2B5EF4-FFF2-40B4-BE49-F238E27FC236}">
-                <a16:creationId xmlns:a16="http://schemas.microsoft.com/office/drawing/2014/main" id="{917E453A-5005-27E3-F543-5F1B51BCD5BE}"/>
+                <a16:creationId xmlns:a16="http://schemas.microsoft.com/office/drawing/2014/main" id="{311DD4A3-B041-49E2-8F12-442ED4F8DC68}"/>
               </a:ext>
             </a:extLst>
           </p:cNvPr>
@@ -2411,7 +2411,7 @@
           <p:cNvPr id="7" name="灯片编号占位符 6">
             <a:extLst>
               <a:ext uri="{FF2B5EF4-FFF2-40B4-BE49-F238E27FC236}">
-                <a16:creationId xmlns:a16="http://schemas.microsoft.com/office/drawing/2014/main" id="{7203B157-1059-6021-765C-F0FCBC519AD8}"/>
+                <a16:creationId xmlns:a16="http://schemas.microsoft.com/office/drawing/2014/main" id="{15C97D08-C28A-1201-289F-95A19E562F5F}"/>
               </a:ext>
             </a:extLst>
           </p:cNvPr>
@@ -2427,7 +2427,7 @@
           <a:bodyPr/>
           <a:lstStyle/>
           <a:p>
-            <a:fld id="{BBA35E8E-E720-43F1-9070-0180838323D8}" type="slidenum">
+            <a:fld id="{BB66E4A6-415C-4E82-B419-7B2978918924}" type="slidenum">
               <a:rPr lang="zh-CN" altLang="en-US" smtClean="0"/>
               <a:t>‹#›</a:t>
             </a:fld>
@@ -2438,7 +2438,7 @@
     </p:spTree>
     <p:extLst>
       <p:ext uri="{BB962C8B-B14F-4D97-AF65-F5344CB8AC3E}">
-        <p14:creationId xmlns:p14="http://schemas.microsoft.com/office/powerpoint/2010/main" val="355885081"/>
+        <p14:creationId xmlns:p14="http://schemas.microsoft.com/office/powerpoint/2010/main" val="60413658"/>
       </p:ext>
     </p:extLst>
   </p:cSld>
@@ -2470,7 +2470,7 @@
           <p:cNvPr id="2" name="标题 1">
             <a:extLst>
               <a:ext uri="{FF2B5EF4-FFF2-40B4-BE49-F238E27FC236}">
-                <a16:creationId xmlns:a16="http://schemas.microsoft.com/office/drawing/2014/main" id="{69BD3D17-EAD4-B998-48AC-6F888E39EB5B}"/>
+                <a16:creationId xmlns:a16="http://schemas.microsoft.com/office/drawing/2014/main" id="{B1858C6E-C69A-DBD7-4603-A0EB4E4D2745}"/>
               </a:ext>
             </a:extLst>
           </p:cNvPr>
@@ -2507,7 +2507,7 @@
           <p:cNvPr id="3" name="图片占位符 2">
             <a:extLst>
               <a:ext uri="{FF2B5EF4-FFF2-40B4-BE49-F238E27FC236}">
-                <a16:creationId xmlns:a16="http://schemas.microsoft.com/office/drawing/2014/main" id="{E5CBD33B-AAF1-F090-2D56-B691C40DC649}"/>
+                <a16:creationId xmlns:a16="http://schemas.microsoft.com/office/drawing/2014/main" id="{E045445C-096C-9FFE-AD78-F8EBA3937E69}"/>
               </a:ext>
             </a:extLst>
           </p:cNvPr>
@@ -2574,7 +2574,7 @@
           <p:cNvPr id="4" name="文本占位符 3">
             <a:extLst>
               <a:ext uri="{FF2B5EF4-FFF2-40B4-BE49-F238E27FC236}">
-                <a16:creationId xmlns:a16="http://schemas.microsoft.com/office/drawing/2014/main" id="{82D5E697-9740-0C1C-A597-7BC9F3A9DE21}"/>
+                <a16:creationId xmlns:a16="http://schemas.microsoft.com/office/drawing/2014/main" id="{119F95DA-2468-E498-BE1F-7BBC7E68180C}"/>
               </a:ext>
             </a:extLst>
           </p:cNvPr>
@@ -2645,7 +2645,7 @@
           <p:cNvPr id="5" name="日期占位符 4">
             <a:extLst>
               <a:ext uri="{FF2B5EF4-FFF2-40B4-BE49-F238E27FC236}">
-                <a16:creationId xmlns:a16="http://schemas.microsoft.com/office/drawing/2014/main" id="{5F39B15D-9BC9-2549-F5EE-36CE96140500}"/>
+                <a16:creationId xmlns:a16="http://schemas.microsoft.com/office/drawing/2014/main" id="{A4B18FDA-8519-7640-B8E5-C32E649C9214}"/>
               </a:ext>
             </a:extLst>
           </p:cNvPr>
@@ -2661,7 +2661,7 @@
           <a:bodyPr/>
           <a:lstStyle/>
           <a:p>
-            <a:fld id="{932502E9-509C-4910-9156-576E71BB85FA}" type="datetimeFigureOut">
+            <a:fld id="{37ADE18D-C34D-4A5B-AF13-07FB58D304D3}" type="datetimeFigureOut">
               <a:rPr lang="zh-CN" altLang="en-US" smtClean="0"/>
               <a:t>2024/3/10</a:t>
             </a:fld>
@@ -2674,7 +2674,7 @@
           <p:cNvPr id="6" name="页脚占位符 5">
             <a:extLst>
               <a:ext uri="{FF2B5EF4-FFF2-40B4-BE49-F238E27FC236}">
-                <a16:creationId xmlns:a16="http://schemas.microsoft.com/office/drawing/2014/main" id="{524CC217-274C-B755-A2F9-0A178B3C0FBB}"/>
+                <a16:creationId xmlns:a16="http://schemas.microsoft.com/office/drawing/2014/main" id="{2CF659FB-EBDE-EA1D-305C-64A8A38DC8C5}"/>
               </a:ext>
             </a:extLst>
           </p:cNvPr>
@@ -2699,7 +2699,7 @@
           <p:cNvPr id="7" name="灯片编号占位符 6">
             <a:extLst>
               <a:ext uri="{FF2B5EF4-FFF2-40B4-BE49-F238E27FC236}">
-                <a16:creationId xmlns:a16="http://schemas.microsoft.com/office/drawing/2014/main" id="{049E6BC8-D42D-C14D-B52E-A99ED7E05D4B}"/>
+                <a16:creationId xmlns:a16="http://schemas.microsoft.com/office/drawing/2014/main" id="{761DB5EB-ECC3-01FA-5518-9E434705CC83}"/>
               </a:ext>
             </a:extLst>
           </p:cNvPr>
@@ -2715,7 +2715,7 @@
           <a:bodyPr/>
           <a:lstStyle/>
           <a:p>
-            <a:fld id="{BBA35E8E-E720-43F1-9070-0180838323D8}" type="slidenum">
+            <a:fld id="{BB66E4A6-415C-4E82-B419-7B2978918924}" type="slidenum">
               <a:rPr lang="zh-CN" altLang="en-US" smtClean="0"/>
               <a:t>‹#›</a:t>
             </a:fld>
@@ -2726,7 +2726,7 @@
     </p:spTree>
     <p:extLst>
       <p:ext uri="{BB962C8B-B14F-4D97-AF65-F5344CB8AC3E}">
-        <p14:creationId xmlns:p14="http://schemas.microsoft.com/office/powerpoint/2010/main" val="4043347805"/>
+        <p14:creationId xmlns:p14="http://schemas.microsoft.com/office/powerpoint/2010/main" val="1788324799"/>
       </p:ext>
     </p:extLst>
   </p:cSld>
@@ -2763,7 +2763,7 @@
           <p:cNvPr id="2" name="标题占位符 1">
             <a:extLst>
               <a:ext uri="{FF2B5EF4-FFF2-40B4-BE49-F238E27FC236}">
-                <a16:creationId xmlns:a16="http://schemas.microsoft.com/office/drawing/2014/main" id="{404A76C0-7BBD-FDE4-DD4C-DD05A3CE7B6A}"/>
+                <a16:creationId xmlns:a16="http://schemas.microsoft.com/office/drawing/2014/main" id="{3DD97B02-5B8C-ADA7-48A2-5FC42DA3C5DD}"/>
               </a:ext>
             </a:extLst>
           </p:cNvPr>
@@ -2801,7 +2801,7 @@
           <p:cNvPr id="3" name="文本占位符 2">
             <a:extLst>
               <a:ext uri="{FF2B5EF4-FFF2-40B4-BE49-F238E27FC236}">
-                <a16:creationId xmlns:a16="http://schemas.microsoft.com/office/drawing/2014/main" id="{0F4B10D2-3E5D-F0C6-35C2-D8D2AFAB6C61}"/>
+                <a16:creationId xmlns:a16="http://schemas.microsoft.com/office/drawing/2014/main" id="{AE6CB6CA-C0E6-1700-398F-03790B5979CC}"/>
               </a:ext>
             </a:extLst>
           </p:cNvPr>
@@ -2868,7 +2868,7 @@
           <p:cNvPr id="4" name="日期占位符 3">
             <a:extLst>
               <a:ext uri="{FF2B5EF4-FFF2-40B4-BE49-F238E27FC236}">
-                <a16:creationId xmlns:a16="http://schemas.microsoft.com/office/drawing/2014/main" id="{519BE275-B2EB-27F1-48BF-2EDC03390975}"/>
+                <a16:creationId xmlns:a16="http://schemas.microsoft.com/office/drawing/2014/main" id="{949A7B1A-6E01-6094-EEFE-B63F0319876F}"/>
               </a:ext>
             </a:extLst>
           </p:cNvPr>
@@ -2902,7 +2902,7 @@
             </a:lvl1pPr>
           </a:lstStyle>
           <a:p>
-            <a:fld id="{932502E9-509C-4910-9156-576E71BB85FA}" type="datetimeFigureOut">
+            <a:fld id="{37ADE18D-C34D-4A5B-AF13-07FB58D304D3}" type="datetimeFigureOut">
               <a:rPr lang="zh-CN" altLang="en-US" smtClean="0"/>
               <a:t>2024/3/10</a:t>
             </a:fld>
@@ -2915,7 +2915,7 @@
           <p:cNvPr id="5" name="页脚占位符 4">
             <a:extLst>
               <a:ext uri="{FF2B5EF4-FFF2-40B4-BE49-F238E27FC236}">
-                <a16:creationId xmlns:a16="http://schemas.microsoft.com/office/drawing/2014/main" id="{A66DD982-7BBB-1EB6-D5EA-60B0D3A60542}"/>
+                <a16:creationId xmlns:a16="http://schemas.microsoft.com/office/drawing/2014/main" id="{6406F518-740F-C6EA-429E-0DE331B0FBA6}"/>
               </a:ext>
             </a:extLst>
           </p:cNvPr>
@@ -2958,7 +2958,7 @@
           <p:cNvPr id="6" name="灯片编号占位符 5">
             <a:extLst>
               <a:ext uri="{FF2B5EF4-FFF2-40B4-BE49-F238E27FC236}">
-                <a16:creationId xmlns:a16="http://schemas.microsoft.com/office/drawing/2014/main" id="{FD85AE1D-BDBB-2910-16A7-75175B6B82F5}"/>
+                <a16:creationId xmlns:a16="http://schemas.microsoft.com/office/drawing/2014/main" id="{046EDAEB-76D0-7444-CA56-6E37D52B8D65}"/>
               </a:ext>
             </a:extLst>
           </p:cNvPr>
@@ -2992,7 +2992,7 @@
             </a:lvl1pPr>
           </a:lstStyle>
           <a:p>
-            <a:fld id="{BBA35E8E-E720-43F1-9070-0180838323D8}" type="slidenum">
+            <a:fld id="{BB66E4A6-415C-4E82-B419-7B2978918924}" type="slidenum">
               <a:rPr lang="zh-CN" altLang="en-US" smtClean="0"/>
               <a:t>‹#›</a:t>
             </a:fld>
@@ -3003,7 +3003,7 @@
     </p:spTree>
     <p:extLst>
       <p:ext uri="{BB962C8B-B14F-4D97-AF65-F5344CB8AC3E}">
-        <p14:creationId xmlns:p14="http://schemas.microsoft.com/office/powerpoint/2010/main" val="169347758"/>
+        <p14:creationId xmlns:p14="http://schemas.microsoft.com/office/powerpoint/2010/main" val="2538761865"/>
       </p:ext>
     </p:extLst>
   </p:cSld>
@@ -3323,7 +3323,7 @@
       </p:grpSpPr>
       <p:pic>
         <p:nvPicPr>
-          <p:cNvPr id="477186" name="Picture 2" descr="465"/>
+          <p:cNvPr id="478210" name="Picture 2" descr="466"/>
           <p:cNvPicPr>
             <a:picLocks noChangeAspect="1" noChangeArrowheads="1"/>
           </p:cNvPicPr>
@@ -3375,158 +3375,11 @@
           </a:extLst>
         </p:spPr>
       </p:pic>
-      <p:pic>
-        <p:nvPicPr>
-          <p:cNvPr id="478211" name="Picture 3" descr="465-2"/>
-          <p:cNvPicPr>
-            <a:picLocks noChangeAspect="1" noChangeArrowheads="1"/>
-          </p:cNvPicPr>
-          <p:nvPr/>
-        </p:nvPicPr>
-        <p:blipFill>
-          <a:blip r:embed="rId3">
-            <a:extLst>
-              <a:ext uri="{28A0092B-C50C-407E-A947-70E740481C1C}">
-                <a14:useLocalDpi xmlns:a14="http://schemas.microsoft.com/office/drawing/2010/main" val="0"/>
-              </a:ext>
-            </a:extLst>
-          </a:blip>
-          <a:srcRect/>
-          <a:stretch>
-            <a:fillRect/>
-          </a:stretch>
-        </p:blipFill>
-        <p:spPr bwMode="auto">
-          <a:xfrm>
-            <a:off x="1524000" y="0"/>
-            <a:ext cx="9144000" cy="6858000"/>
-          </a:xfrm>
-          <a:prstGeom prst="rect">
-            <a:avLst/>
-          </a:prstGeom>
-          <a:noFill/>
-          <a:ln>
-            <a:noFill/>
-          </a:ln>
-          <a:effectLst/>
-          <a:extLst>
-            <a:ext uri="{909E8E84-426E-40DD-AFC4-6F175D3DCCD1}">
-              <a14:hiddenFill xmlns:a14="http://schemas.microsoft.com/office/drawing/2010/main">
-                <a:solidFill>
-                  <a:srgbClr val="FFFFFF"/>
-                </a:solidFill>
-              </a14:hiddenFill>
-            </a:ext>
-            <a:ext uri="{91240B29-F687-4F45-9708-019B960494DF}">
-              <a14:hiddenLine xmlns:a14="http://schemas.microsoft.com/office/drawing/2010/main" w="9525">
-                <a:solidFill>
-                  <a:srgbClr val="000000"/>
-                </a:solidFill>
-                <a:miter lim="800000"/>
-                <a:headEnd/>
-                <a:tailEnd/>
-              </a14:hiddenLine>
-            </a:ext>
-            <a:ext uri="{AF507438-7753-43E0-B8FC-AC1667EBCBE1}">
-              <a14:hiddenEffects xmlns:a14="http://schemas.microsoft.com/office/drawing/2010/main">
-                <a:effectLst>
-                  <a:outerShdw dist="35921" dir="2700000" algn="ctr" rotWithShape="0">
-                    <a:srgbClr val="808080"/>
-                  </a:outerShdw>
-                </a:effectLst>
-              </a14:hiddenEffects>
-            </a:ext>
-          </a:extLst>
-        </p:spPr>
-      </p:pic>
     </p:spTree>
   </p:cSld>
   <p:clrMapOvr>
     <a:masterClrMapping/>
   </p:clrMapOvr>
-  <p:timing>
-    <p:tnLst>
-      <p:par>
-        <p:cTn id="1" dur="indefinite" restart="never" nodeType="tmRoot">
-          <p:childTnLst>
-            <p:seq concurrent="1" nextAc="seek">
-              <p:cTn id="2" dur="indefinite" nodeType="mainSeq">
-                <p:childTnLst>
-                  <p:par>
-                    <p:cTn id="3" fill="hold" nodeType="clickPar">
-                      <p:stCondLst>
-                        <p:cond delay="indefinite"/>
-                      </p:stCondLst>
-                      <p:childTnLst>
-                        <p:par>
-                          <p:cTn id="4" fill="hold" nodeType="withGroup">
-                            <p:stCondLst>
-                              <p:cond delay="0"/>
-                            </p:stCondLst>
-                            <p:childTnLst>
-                              <p:par>
-                                <p:cTn id="5" presetID="10" presetClass="entr" presetSubtype="0" fill="hold" nodeType="clickEffect">
-                                  <p:stCondLst>
-                                    <p:cond delay="0"/>
-                                  </p:stCondLst>
-                                  <p:childTnLst>
-                                    <p:set>
-                                      <p:cBhvr>
-                                        <p:cTn id="6" dur="1" fill="hold">
-                                          <p:stCondLst>
-                                            <p:cond delay="0"/>
-                                          </p:stCondLst>
-                                        </p:cTn>
-                                        <p:tgtEl>
-                                          <p:spTgt spid="478211"/>
-                                        </p:tgtEl>
-                                        <p:attrNameLst>
-                                          <p:attrName>style.visibility</p:attrName>
-                                        </p:attrNameLst>
-                                      </p:cBhvr>
-                                      <p:to>
-                                        <p:strVal val="visible"/>
-                                      </p:to>
-                                    </p:set>
-                                    <p:animEffect transition="in" filter="fade">
-                                      <p:cBhvr>
-                                        <p:cTn id="7" dur="500"/>
-                                        <p:tgtEl>
-                                          <p:spTgt spid="478211"/>
-                                        </p:tgtEl>
-                                      </p:cBhvr>
-                                    </p:animEffect>
-                                  </p:childTnLst>
-                                </p:cTn>
-                              </p:par>
-                            </p:childTnLst>
-                          </p:cTn>
-                        </p:par>
-                      </p:childTnLst>
-                    </p:cTn>
-                  </p:par>
-                </p:childTnLst>
-              </p:cTn>
-              <p:prevCondLst>
-                <p:cond evt="onPrev" delay="0">
-                  <p:tgtEl>
-                    <p:sldTgt/>
-                  </p:tgtEl>
-                </p:cond>
-              </p:prevCondLst>
-              <p:nextCondLst>
-                <p:cond evt="onNext" delay="0">
-                  <p:tgtEl>
-                    <p:sldTgt/>
-                  </p:tgtEl>
-                </p:cond>
-              </p:nextCondLst>
-            </p:seq>
-          </p:childTnLst>
-        </p:cTn>
-      </p:par>
-    </p:tnLst>
-  </p:timing>
 </p:sld>
 </file>
 
